--- a/AMMovement.pptx
+++ b/AMMovement.pptx
@@ -6,7 +6,11 @@
   </p:sldMasterIdLst>
   <p:sldIdLst>
     <p:sldId id="256" r:id="rId5"/>
-    <p:sldId id="257" r:id="rId6"/>
+    <p:sldId id="259" r:id="rId6"/>
+    <p:sldId id="263" r:id="rId7"/>
+    <p:sldId id="257" r:id="rId8"/>
+    <p:sldId id="258" r:id="rId9"/>
+    <p:sldId id="264" r:id="rId10"/>
   </p:sldIdLst>
   <p:sldSz cx="12192000" cy="6858000"/>
   <p:notesSz cx="6858000" cy="9144000"/>
@@ -116,7 +120,7 @@
 <file path=ppt/revisionInfo.xml><?xml version="1.0" encoding="utf-8"?>
 <p1510:revInfo xmlns:a="http://schemas.openxmlformats.org/drawingml/2006/main" xmlns:r="http://schemas.openxmlformats.org/officeDocument/2006/relationships" xmlns:p1510="http://schemas.microsoft.com/office/powerpoint/2015/10/main">
   <p1510:revLst>
-    <p1510:client id="{B6247FEA-D64E-40DF-9222-EC5E64F71BDB}" v="41" dt="2020-11-11T18:26:15.823"/>
+    <p1510:client id="{B6247FEA-D64E-40DF-9222-EC5E64F71BDB}" v="81" dt="2020-11-18T15:57:17.752"/>
   </p1510:revLst>
 </p1510:revInfo>
 </file>
@@ -268,7 +272,7 @@
           <a:p>
             <a:fld id="{A3B1629E-F5E3-4A14-AEE0-5B5443F7568C}" type="datetimeFigureOut">
               <a:rPr lang="en-US" smtClean="0"/>
-              <a:t>11/9/2020</a:t>
+              <a:t>11/18/2020</a:t>
             </a:fld>
             <a:endParaRPr lang="en-US"/>
           </a:p>
@@ -466,7 +470,7 @@
           <a:p>
             <a:fld id="{A3B1629E-F5E3-4A14-AEE0-5B5443F7568C}" type="datetimeFigureOut">
               <a:rPr lang="en-US" smtClean="0"/>
-              <a:t>11/9/2020</a:t>
+              <a:t>11/18/2020</a:t>
             </a:fld>
             <a:endParaRPr lang="en-US"/>
           </a:p>
@@ -674,7 +678,7 @@
           <a:p>
             <a:fld id="{A3B1629E-F5E3-4A14-AEE0-5B5443F7568C}" type="datetimeFigureOut">
               <a:rPr lang="en-US" smtClean="0"/>
-              <a:t>11/9/2020</a:t>
+              <a:t>11/18/2020</a:t>
             </a:fld>
             <a:endParaRPr lang="en-US"/>
           </a:p>
@@ -872,7 +876,7 @@
           <a:p>
             <a:fld id="{A3B1629E-F5E3-4A14-AEE0-5B5443F7568C}" type="datetimeFigureOut">
               <a:rPr lang="en-US" smtClean="0"/>
-              <a:t>11/9/2020</a:t>
+              <a:t>11/18/2020</a:t>
             </a:fld>
             <a:endParaRPr lang="en-US"/>
           </a:p>
@@ -1147,7 +1151,7 @@
           <a:p>
             <a:fld id="{A3B1629E-F5E3-4A14-AEE0-5B5443F7568C}" type="datetimeFigureOut">
               <a:rPr lang="en-US" smtClean="0"/>
-              <a:t>11/9/2020</a:t>
+              <a:t>11/18/2020</a:t>
             </a:fld>
             <a:endParaRPr lang="en-US"/>
           </a:p>
@@ -1412,7 +1416,7 @@
           <a:p>
             <a:fld id="{A3B1629E-F5E3-4A14-AEE0-5B5443F7568C}" type="datetimeFigureOut">
               <a:rPr lang="en-US" smtClean="0"/>
-              <a:t>11/9/2020</a:t>
+              <a:t>11/18/2020</a:t>
             </a:fld>
             <a:endParaRPr lang="en-US"/>
           </a:p>
@@ -1824,7 +1828,7 @@
           <a:p>
             <a:fld id="{A3B1629E-F5E3-4A14-AEE0-5B5443F7568C}" type="datetimeFigureOut">
               <a:rPr lang="en-US" smtClean="0"/>
-              <a:t>11/9/2020</a:t>
+              <a:t>11/18/2020</a:t>
             </a:fld>
             <a:endParaRPr lang="en-US"/>
           </a:p>
@@ -1965,7 +1969,7 @@
           <a:p>
             <a:fld id="{A3B1629E-F5E3-4A14-AEE0-5B5443F7568C}" type="datetimeFigureOut">
               <a:rPr lang="en-US" smtClean="0"/>
-              <a:t>11/9/2020</a:t>
+              <a:t>11/18/2020</a:t>
             </a:fld>
             <a:endParaRPr lang="en-US"/>
           </a:p>
@@ -2078,7 +2082,7 @@
           <a:p>
             <a:fld id="{A3B1629E-F5E3-4A14-AEE0-5B5443F7568C}" type="datetimeFigureOut">
               <a:rPr lang="en-US" smtClean="0"/>
-              <a:t>11/9/2020</a:t>
+              <a:t>11/18/2020</a:t>
             </a:fld>
             <a:endParaRPr lang="en-US"/>
           </a:p>
@@ -2389,7 +2393,7 @@
           <a:p>
             <a:fld id="{A3B1629E-F5E3-4A14-AEE0-5B5443F7568C}" type="datetimeFigureOut">
               <a:rPr lang="en-US" smtClean="0"/>
-              <a:t>11/9/2020</a:t>
+              <a:t>11/18/2020</a:t>
             </a:fld>
             <a:endParaRPr lang="en-US"/>
           </a:p>
@@ -2680,7 +2684,7 @@
           <a:p>
             <a:fld id="{A3B1629E-F5E3-4A14-AEE0-5B5443F7568C}" type="datetimeFigureOut">
               <a:rPr lang="en-US" smtClean="0"/>
-              <a:t>11/9/2020</a:t>
+              <a:t>11/18/2020</a:t>
             </a:fld>
             <a:endParaRPr lang="en-US"/>
           </a:p>
@@ -2921,7 +2925,7 @@
           <a:p>
             <a:fld id="{A3B1629E-F5E3-4A14-AEE0-5B5443F7568C}" type="datetimeFigureOut">
               <a:rPr lang="en-US" smtClean="0"/>
-              <a:t>11/9/2020</a:t>
+              <a:t>11/18/2020</a:t>
             </a:fld>
             <a:endParaRPr lang="en-US"/>
           </a:p>
@@ -4597,6 +4601,975 @@
       </p:grpSpPr>
       <p:sp useBgFill="1">
         <p:nvSpPr>
+          <p:cNvPr id="14" name="Rectangle 7">
+            <a:extLst>
+              <a:ext uri="{FF2B5EF4-FFF2-40B4-BE49-F238E27FC236}">
+                <a16:creationId xmlns:a16="http://schemas.microsoft.com/office/drawing/2014/main" id="{1BB867FF-FC45-48F7-8104-F89BE54909F1}"/>
+              </a:ext>
+              <a:ext uri="{C183D7F6-B498-43B3-948B-1728B52AA6E4}">
+                <adec:decorative xmlns:adec="http://schemas.microsoft.com/office/drawing/2017/decorative" val="1"/>
+              </a:ext>
+            </a:extLst>
+          </p:cNvPr>
+          <p:cNvSpPr>
+            <a:spLocks noGrp="1" noRot="1" noChangeAspect="1" noMove="1" noResize="1" noEditPoints="1" noAdjustHandles="1" noChangeArrowheads="1" noChangeShapeType="1" noTextEdit="1"/>
+          </p:cNvSpPr>
+          <p:nvPr>
+            <p:extLst>
+              <p:ext uri="{386F3935-93C4-4BCD-93E2-E3B085C9AB24}">
+                <p16:designElem xmlns:p16="http://schemas.microsoft.com/office/powerpoint/2015/main" val="1"/>
+              </p:ext>
+            </p:extLst>
+          </p:nvPr>
+        </p:nvSpPr>
+        <p:spPr>
+          <a:xfrm>
+            <a:off x="3048" y="0"/>
+            <a:ext cx="12188952" cy="6858000"/>
+          </a:xfrm>
+          <a:prstGeom prst="rect">
+            <a:avLst/>
+          </a:prstGeom>
+          <a:ln>
+            <a:noFill/>
+          </a:ln>
+        </p:spPr>
+        <p:style>
+          <a:lnRef idx="2">
+            <a:schemeClr val="accent1">
+              <a:shade val="50000"/>
+            </a:schemeClr>
+          </a:lnRef>
+          <a:fillRef idx="1">
+            <a:schemeClr val="accent1"/>
+          </a:fillRef>
+          <a:effectRef idx="0">
+            <a:schemeClr val="accent1"/>
+          </a:effectRef>
+          <a:fontRef idx="minor">
+            <a:schemeClr val="lt1"/>
+          </a:fontRef>
+        </p:style>
+        <p:txBody>
+          <a:bodyPr rtlCol="0" anchor="ctr"/>
+          <a:lstStyle/>
+          <a:p>
+            <a:pPr algn="ctr"/>
+            <a:endParaRPr lang="en-US"/>
+          </a:p>
+        </p:txBody>
+      </p:sp>
+      <p:sp>
+        <p:nvSpPr>
+          <p:cNvPr id="15" name="Freeform: Shape 9">
+            <a:extLst>
+              <a:ext uri="{FF2B5EF4-FFF2-40B4-BE49-F238E27FC236}">
+                <a16:creationId xmlns:a16="http://schemas.microsoft.com/office/drawing/2014/main" id="{8BB56887-D0D5-4F0C-9E19-7247EB83C8B7}"/>
+              </a:ext>
+              <a:ext uri="{C183D7F6-B498-43B3-948B-1728B52AA6E4}">
+                <adec:decorative xmlns:adec="http://schemas.microsoft.com/office/drawing/2017/decorative" val="1"/>
+              </a:ext>
+            </a:extLst>
+          </p:cNvPr>
+          <p:cNvSpPr>
+            <a:spLocks noGrp="1" noRot="1" noChangeAspect="1" noMove="1" noResize="1" noEditPoints="1" noAdjustHandles="1" noChangeArrowheads="1" noChangeShapeType="1" noTextEdit="1"/>
+          </p:cNvSpPr>
+          <p:nvPr>
+            <p:extLst>
+              <p:ext uri="{386F3935-93C4-4BCD-93E2-E3B085C9AB24}">
+                <p16:designElem xmlns:p16="http://schemas.microsoft.com/office/powerpoint/2015/main" val="1"/>
+              </p:ext>
+            </p:extLst>
+          </p:nvPr>
+        </p:nvSpPr>
+        <p:spPr>
+          <a:xfrm>
+            <a:off x="10208695" y="1"/>
+            <a:ext cx="1135066" cy="477997"/>
+          </a:xfrm>
+          <a:custGeom>
+            <a:avLst/>
+            <a:gdLst>
+              <a:gd name="connsiteX0" fmla="*/ 0 w 1135066"/>
+              <a:gd name="connsiteY0" fmla="*/ 0 h 477997"/>
+              <a:gd name="connsiteX1" fmla="*/ 1135066 w 1135066"/>
+              <a:gd name="connsiteY1" fmla="*/ 0 h 477997"/>
+              <a:gd name="connsiteX2" fmla="*/ 1133370 w 1135066"/>
+              <a:gd name="connsiteY2" fmla="*/ 16827 h 477997"/>
+              <a:gd name="connsiteX3" fmla="*/ 567533 w 1135066"/>
+              <a:gd name="connsiteY3" fmla="*/ 477997 h 477997"/>
+              <a:gd name="connsiteX4" fmla="*/ 1696 w 1135066"/>
+              <a:gd name="connsiteY4" fmla="*/ 16827 h 477997"/>
+            </a:gdLst>
+            <a:ahLst/>
+            <a:cxnLst>
+              <a:cxn ang="0">
+                <a:pos x="connsiteX0" y="connsiteY0"/>
+              </a:cxn>
+              <a:cxn ang="0">
+                <a:pos x="connsiteX1" y="connsiteY1"/>
+              </a:cxn>
+              <a:cxn ang="0">
+                <a:pos x="connsiteX2" y="connsiteY2"/>
+              </a:cxn>
+              <a:cxn ang="0">
+                <a:pos x="connsiteX3" y="connsiteY3"/>
+              </a:cxn>
+              <a:cxn ang="0">
+                <a:pos x="connsiteX4" y="connsiteY4"/>
+              </a:cxn>
+            </a:cxnLst>
+            <a:rect l="l" t="t" r="r" b="b"/>
+            <a:pathLst>
+              <a:path w="1135066" h="477997">
+                <a:moveTo>
+                  <a:pt x="0" y="0"/>
+                </a:moveTo>
+                <a:lnTo>
+                  <a:pt x="1135066" y="0"/>
+                </a:lnTo>
+                <a:lnTo>
+                  <a:pt x="1133370" y="16827"/>
+                </a:lnTo>
+                <a:cubicBezTo>
+                  <a:pt x="1079514" y="280016"/>
+                  <a:pt x="846644" y="477997"/>
+                  <a:pt x="567533" y="477997"/>
+                </a:cubicBezTo>
+                <a:cubicBezTo>
+                  <a:pt x="288422" y="477997"/>
+                  <a:pt x="55552" y="280016"/>
+                  <a:pt x="1696" y="16827"/>
+                </a:cubicBezTo>
+                <a:close/>
+              </a:path>
+            </a:pathLst>
+          </a:custGeom>
+          <a:solidFill>
+            <a:schemeClr val="accent4"/>
+          </a:solidFill>
+          <a:ln>
+            <a:noFill/>
+          </a:ln>
+        </p:spPr>
+        <p:style>
+          <a:lnRef idx="2">
+            <a:schemeClr val="accent1">
+              <a:shade val="50000"/>
+            </a:schemeClr>
+          </a:lnRef>
+          <a:fillRef idx="1">
+            <a:schemeClr val="accent1"/>
+          </a:fillRef>
+          <a:effectRef idx="0">
+            <a:schemeClr val="accent1"/>
+          </a:effectRef>
+          <a:fontRef idx="minor">
+            <a:schemeClr val="lt1"/>
+          </a:fontRef>
+        </p:style>
+        <p:txBody>
+          <a:bodyPr wrap="square" rtlCol="0" anchor="ctr">
+            <a:noAutofit/>
+          </a:bodyPr>
+          <a:lstStyle/>
+          <a:p>
+            <a:pPr algn="ctr"/>
+            <a:endParaRPr lang="en-US"/>
+          </a:p>
+        </p:txBody>
+      </p:sp>
+      <p:sp>
+        <p:nvSpPr>
+          <p:cNvPr id="2" name="Title 1">
+            <a:extLst>
+              <a:ext uri="{FF2B5EF4-FFF2-40B4-BE49-F238E27FC236}">
+                <a16:creationId xmlns:a16="http://schemas.microsoft.com/office/drawing/2014/main" id="{D02BFC94-B166-4CBC-B36B-9A7A595EF1B1}"/>
+              </a:ext>
+            </a:extLst>
+          </p:cNvPr>
+          <p:cNvSpPr>
+            <a:spLocks noGrp="1"/>
+          </p:cNvSpPr>
+          <p:nvPr>
+            <p:ph type="title"/>
+          </p:nvPr>
+        </p:nvSpPr>
+        <p:spPr>
+          <a:xfrm>
+            <a:off x="838200" y="365125"/>
+            <a:ext cx="10515600" cy="1325563"/>
+          </a:xfrm>
+        </p:spPr>
+        <p:txBody>
+          <a:bodyPr>
+            <a:normAutofit/>
+          </a:bodyPr>
+          <a:lstStyle/>
+          <a:p>
+            <a:r>
+              <a:rPr lang="en-US" dirty="0"/>
+              <a:t>Problem</a:t>
+            </a:r>
+          </a:p>
+        </p:txBody>
+      </p:sp>
+      <p:sp>
+        <p:nvSpPr>
+          <p:cNvPr id="16" name="Arc 11">
+            <a:extLst>
+              <a:ext uri="{FF2B5EF4-FFF2-40B4-BE49-F238E27FC236}">
+                <a16:creationId xmlns:a16="http://schemas.microsoft.com/office/drawing/2014/main" id="{081E4A58-353D-44AE-B2FC-2A74E2E400F7}"/>
+              </a:ext>
+              <a:ext uri="{C183D7F6-B498-43B3-948B-1728B52AA6E4}">
+                <adec:decorative xmlns:adec="http://schemas.microsoft.com/office/drawing/2017/decorative" val="1"/>
+              </a:ext>
+            </a:extLst>
+          </p:cNvPr>
+          <p:cNvSpPr>
+            <a:spLocks noGrp="1" noRot="1" noChangeAspect="1" noMove="1" noResize="1" noEditPoints="1" noAdjustHandles="1" noChangeArrowheads="1" noChangeShapeType="1" noTextEdit="1"/>
+          </p:cNvSpPr>
+          <p:nvPr>
+            <p:extLst>
+              <p:ext uri="{386F3935-93C4-4BCD-93E2-E3B085C9AB24}">
+                <p16:designElem xmlns:p16="http://schemas.microsoft.com/office/powerpoint/2015/main" val="1"/>
+              </p:ext>
+            </p:extLst>
+          </p:nvPr>
+        </p:nvSpPr>
+        <p:spPr>
+          <a:xfrm rot="5400000" flipV="1">
+            <a:off x="555710" y="2183223"/>
+            <a:ext cx="4083433" cy="4083433"/>
+          </a:xfrm>
+          <a:prstGeom prst="arc">
+            <a:avLst/>
+          </a:prstGeom>
+          <a:ln w="127000" cap="rnd">
+            <a:solidFill>
+              <a:schemeClr val="accent4"/>
+            </a:solidFill>
+            <a:prstDash val="dash"/>
+          </a:ln>
+        </p:spPr>
+        <p:style>
+          <a:lnRef idx="1">
+            <a:schemeClr val="accent1"/>
+          </a:lnRef>
+          <a:fillRef idx="0">
+            <a:schemeClr val="accent1"/>
+          </a:fillRef>
+          <a:effectRef idx="0">
+            <a:schemeClr val="accent1"/>
+          </a:effectRef>
+          <a:fontRef idx="minor">
+            <a:schemeClr val="tx1"/>
+          </a:fontRef>
+        </p:style>
+        <p:txBody>
+          <a:bodyPr rtlCol="0" anchor="ctr"/>
+          <a:lstStyle/>
+          <a:p>
+            <a:pPr algn="ctr"/>
+            <a:endParaRPr lang="en-US" dirty="0"/>
+          </a:p>
+        </p:txBody>
+      </p:sp>
+      <p:sp>
+        <p:nvSpPr>
+          <p:cNvPr id="3" name="Content Placeholder 2">
+            <a:extLst>
+              <a:ext uri="{FF2B5EF4-FFF2-40B4-BE49-F238E27FC236}">
+                <a16:creationId xmlns:a16="http://schemas.microsoft.com/office/drawing/2014/main" id="{25591DC1-7A78-4F54-A0F7-EFD7F48336E3}"/>
+              </a:ext>
+            </a:extLst>
+          </p:cNvPr>
+          <p:cNvSpPr>
+            <a:spLocks noGrp="1"/>
+          </p:cNvSpPr>
+          <p:nvPr>
+            <p:ph idx="1"/>
+          </p:nvPr>
+        </p:nvSpPr>
+        <p:spPr>
+          <a:xfrm>
+            <a:off x="838200" y="1825625"/>
+            <a:ext cx="10515600" cy="1517650"/>
+          </a:xfrm>
+        </p:spPr>
+        <p:txBody>
+          <a:bodyPr>
+            <a:normAutofit/>
+          </a:bodyPr>
+          <a:lstStyle/>
+          <a:p>
+            <a:r>
+              <a:rPr lang="en-US" dirty="0"/>
+              <a:t>Predict action matrix column movement</a:t>
+            </a:r>
+          </a:p>
+          <a:p>
+            <a:pPr lvl="1"/>
+            <a:r>
+              <a:rPr lang="en-US" dirty="0"/>
+              <a:t>Reactor power level</a:t>
+            </a:r>
+          </a:p>
+          <a:p>
+            <a:pPr lvl="1"/>
+            <a:r>
+              <a:rPr lang="en-US" dirty="0"/>
+              <a:t>Number of event notifications</a:t>
+            </a:r>
+          </a:p>
+        </p:txBody>
+      </p:sp>
+      <p:sp>
+        <p:nvSpPr>
+          <p:cNvPr id="7" name="Title 1">
+            <a:extLst>
+              <a:ext uri="{FF2B5EF4-FFF2-40B4-BE49-F238E27FC236}">
+                <a16:creationId xmlns:a16="http://schemas.microsoft.com/office/drawing/2014/main" id="{D7501BAE-19C5-43B1-84FD-7C12609DD232}"/>
+              </a:ext>
+            </a:extLst>
+          </p:cNvPr>
+          <p:cNvSpPr txBox="1">
+            <a:spLocks/>
+          </p:cNvSpPr>
+          <p:nvPr/>
+        </p:nvSpPr>
+        <p:spPr>
+          <a:xfrm>
+            <a:off x="1120690" y="3460750"/>
+            <a:ext cx="10515600" cy="1325563"/>
+          </a:xfrm>
+          <a:prstGeom prst="rect">
+            <a:avLst/>
+          </a:prstGeom>
+        </p:spPr>
+        <p:txBody>
+          <a:bodyPr vert="horz" lIns="91440" tIns="45720" rIns="91440" bIns="45720" rtlCol="0" anchor="ctr">
+            <a:normAutofit/>
+          </a:bodyPr>
+          <a:lstStyle>
+            <a:lvl1pPr algn="l" defTabSz="914400" rtl="0" eaLnBrk="1" latinLnBrk="0" hangingPunct="1">
+              <a:lnSpc>
+                <a:spcPct val="90000"/>
+              </a:lnSpc>
+              <a:spcBef>
+                <a:spcPct val="0"/>
+              </a:spcBef>
+              <a:buNone/>
+              <a:defRPr sz="4400" kern="1200">
+                <a:solidFill>
+                  <a:schemeClr val="tx1"/>
+                </a:solidFill>
+                <a:latin typeface="+mj-lt"/>
+                <a:ea typeface="+mj-ea"/>
+                <a:cs typeface="+mj-cs"/>
+              </a:defRPr>
+            </a:lvl1pPr>
+          </a:lstStyle>
+          <a:p>
+            <a:pPr algn="r"/>
+            <a:r>
+              <a:rPr lang="en-US" dirty="0"/>
+              <a:t>Challenges</a:t>
+            </a:r>
+          </a:p>
+        </p:txBody>
+      </p:sp>
+      <p:sp>
+        <p:nvSpPr>
+          <p:cNvPr id="8" name="Content Placeholder 2">
+            <a:extLst>
+              <a:ext uri="{FF2B5EF4-FFF2-40B4-BE49-F238E27FC236}">
+                <a16:creationId xmlns:a16="http://schemas.microsoft.com/office/drawing/2014/main" id="{2B76088D-A5D6-4F8E-B834-ACA944B8F3B9}"/>
+              </a:ext>
+            </a:extLst>
+          </p:cNvPr>
+          <p:cNvSpPr txBox="1">
+            <a:spLocks/>
+          </p:cNvSpPr>
+          <p:nvPr/>
+        </p:nvSpPr>
+        <p:spPr>
+          <a:xfrm>
+            <a:off x="1120690" y="4581526"/>
+            <a:ext cx="10515600" cy="1517650"/>
+          </a:xfrm>
+          <a:prstGeom prst="rect">
+            <a:avLst/>
+          </a:prstGeom>
+        </p:spPr>
+        <p:txBody>
+          <a:bodyPr vert="horz" lIns="91440" tIns="45720" rIns="91440" bIns="45720" rtlCol="0">
+            <a:normAutofit/>
+          </a:bodyPr>
+          <a:lstStyle>
+            <a:lvl1pPr marL="228600" indent="-228600" algn="l" defTabSz="914400" rtl="0" eaLnBrk="1" latinLnBrk="0" hangingPunct="1">
+              <a:lnSpc>
+                <a:spcPct val="90000"/>
+              </a:lnSpc>
+              <a:spcBef>
+                <a:spcPts val="1000"/>
+              </a:spcBef>
+              <a:buFont typeface="Arial" panose="020B0604020202020204" pitchFamily="34" charset="0"/>
+              <a:buChar char="•"/>
+              <a:defRPr sz="2800" kern="1200">
+                <a:solidFill>
+                  <a:schemeClr val="tx1"/>
+                </a:solidFill>
+                <a:latin typeface="+mn-lt"/>
+                <a:ea typeface="+mn-ea"/>
+                <a:cs typeface="+mn-cs"/>
+              </a:defRPr>
+            </a:lvl1pPr>
+            <a:lvl2pPr marL="685800" indent="-228600" algn="l" defTabSz="914400" rtl="0" eaLnBrk="1" latinLnBrk="0" hangingPunct="1">
+              <a:lnSpc>
+                <a:spcPct val="90000"/>
+              </a:lnSpc>
+              <a:spcBef>
+                <a:spcPts val="500"/>
+              </a:spcBef>
+              <a:buFont typeface="Arial" panose="020B0604020202020204" pitchFamily="34" charset="0"/>
+              <a:buChar char="•"/>
+              <a:defRPr sz="2400" kern="1200">
+                <a:solidFill>
+                  <a:schemeClr val="tx1"/>
+                </a:solidFill>
+                <a:latin typeface="+mn-lt"/>
+                <a:ea typeface="+mn-ea"/>
+                <a:cs typeface="+mn-cs"/>
+              </a:defRPr>
+            </a:lvl2pPr>
+            <a:lvl3pPr marL="1143000" indent="-228600" algn="l" defTabSz="914400" rtl="0" eaLnBrk="1" latinLnBrk="0" hangingPunct="1">
+              <a:lnSpc>
+                <a:spcPct val="90000"/>
+              </a:lnSpc>
+              <a:spcBef>
+                <a:spcPts val="500"/>
+              </a:spcBef>
+              <a:buFont typeface="Arial" panose="020B0604020202020204" pitchFamily="34" charset="0"/>
+              <a:buChar char="•"/>
+              <a:defRPr sz="2000" kern="1200">
+                <a:solidFill>
+                  <a:schemeClr val="tx1"/>
+                </a:solidFill>
+                <a:latin typeface="+mn-lt"/>
+                <a:ea typeface="+mn-ea"/>
+                <a:cs typeface="+mn-cs"/>
+              </a:defRPr>
+            </a:lvl3pPr>
+            <a:lvl4pPr marL="1600200" indent="-228600" algn="l" defTabSz="914400" rtl="0" eaLnBrk="1" latinLnBrk="0" hangingPunct="1">
+              <a:lnSpc>
+                <a:spcPct val="90000"/>
+              </a:lnSpc>
+              <a:spcBef>
+                <a:spcPts val="500"/>
+              </a:spcBef>
+              <a:buFont typeface="Arial" panose="020B0604020202020204" pitchFamily="34" charset="0"/>
+              <a:buChar char="•"/>
+              <a:defRPr sz="1800" kern="1200">
+                <a:solidFill>
+                  <a:schemeClr val="tx1"/>
+                </a:solidFill>
+                <a:latin typeface="+mn-lt"/>
+                <a:ea typeface="+mn-ea"/>
+                <a:cs typeface="+mn-cs"/>
+              </a:defRPr>
+            </a:lvl4pPr>
+            <a:lvl5pPr marL="2057400" indent="-228600" algn="l" defTabSz="914400" rtl="0" eaLnBrk="1" latinLnBrk="0" hangingPunct="1">
+              <a:lnSpc>
+                <a:spcPct val="90000"/>
+              </a:lnSpc>
+              <a:spcBef>
+                <a:spcPts val="500"/>
+              </a:spcBef>
+              <a:buFont typeface="Arial" panose="020B0604020202020204" pitchFamily="34" charset="0"/>
+              <a:buChar char="•"/>
+              <a:defRPr sz="1800" kern="1200">
+                <a:solidFill>
+                  <a:schemeClr val="tx1"/>
+                </a:solidFill>
+                <a:latin typeface="+mn-lt"/>
+                <a:ea typeface="+mn-ea"/>
+                <a:cs typeface="+mn-cs"/>
+              </a:defRPr>
+            </a:lvl5pPr>
+            <a:lvl6pPr marL="2514600" indent="-228600" algn="l" defTabSz="914400" rtl="0" eaLnBrk="1" latinLnBrk="0" hangingPunct="1">
+              <a:lnSpc>
+                <a:spcPct val="90000"/>
+              </a:lnSpc>
+              <a:spcBef>
+                <a:spcPts val="500"/>
+              </a:spcBef>
+              <a:buFont typeface="Arial" panose="020B0604020202020204" pitchFamily="34" charset="0"/>
+              <a:buChar char="•"/>
+              <a:defRPr sz="1800" kern="1200">
+                <a:solidFill>
+                  <a:schemeClr val="tx1"/>
+                </a:solidFill>
+                <a:latin typeface="+mn-lt"/>
+                <a:ea typeface="+mn-ea"/>
+                <a:cs typeface="+mn-cs"/>
+              </a:defRPr>
+            </a:lvl6pPr>
+            <a:lvl7pPr marL="2971800" indent="-228600" algn="l" defTabSz="914400" rtl="0" eaLnBrk="1" latinLnBrk="0" hangingPunct="1">
+              <a:lnSpc>
+                <a:spcPct val="90000"/>
+              </a:lnSpc>
+              <a:spcBef>
+                <a:spcPts val="500"/>
+              </a:spcBef>
+              <a:buFont typeface="Arial" panose="020B0604020202020204" pitchFamily="34" charset="0"/>
+              <a:buChar char="•"/>
+              <a:defRPr sz="1800" kern="1200">
+                <a:solidFill>
+                  <a:schemeClr val="tx1"/>
+                </a:solidFill>
+                <a:latin typeface="+mn-lt"/>
+                <a:ea typeface="+mn-ea"/>
+                <a:cs typeface="+mn-cs"/>
+              </a:defRPr>
+            </a:lvl7pPr>
+            <a:lvl8pPr marL="3429000" indent="-228600" algn="l" defTabSz="914400" rtl="0" eaLnBrk="1" latinLnBrk="0" hangingPunct="1">
+              <a:lnSpc>
+                <a:spcPct val="90000"/>
+              </a:lnSpc>
+              <a:spcBef>
+                <a:spcPts val="500"/>
+              </a:spcBef>
+              <a:buFont typeface="Arial" panose="020B0604020202020204" pitchFamily="34" charset="0"/>
+              <a:buChar char="•"/>
+              <a:defRPr sz="1800" kern="1200">
+                <a:solidFill>
+                  <a:schemeClr val="tx1"/>
+                </a:solidFill>
+                <a:latin typeface="+mn-lt"/>
+                <a:ea typeface="+mn-ea"/>
+                <a:cs typeface="+mn-cs"/>
+              </a:defRPr>
+            </a:lvl8pPr>
+            <a:lvl9pPr marL="3886200" indent="-228600" algn="l" defTabSz="914400" rtl="0" eaLnBrk="1" latinLnBrk="0" hangingPunct="1">
+              <a:lnSpc>
+                <a:spcPct val="90000"/>
+              </a:lnSpc>
+              <a:spcBef>
+                <a:spcPts val="500"/>
+              </a:spcBef>
+              <a:buFont typeface="Arial" panose="020B0604020202020204" pitchFamily="34" charset="0"/>
+              <a:buChar char="•"/>
+              <a:defRPr sz="1800" kern="1200">
+                <a:solidFill>
+                  <a:schemeClr val="tx1"/>
+                </a:solidFill>
+                <a:latin typeface="+mn-lt"/>
+                <a:ea typeface="+mn-ea"/>
+                <a:cs typeface="+mn-cs"/>
+              </a:defRPr>
+            </a:lvl9pPr>
+          </a:lstStyle>
+          <a:p>
+            <a:pPr algn="r"/>
+            <a:r>
+              <a:rPr lang="en-US" dirty="0"/>
+              <a:t>Event notification data</a:t>
+            </a:r>
+          </a:p>
+          <a:p>
+            <a:pPr algn="r"/>
+            <a:r>
+              <a:rPr lang="en-US" dirty="0"/>
+              <a:t>Size of data</a:t>
+            </a:r>
+          </a:p>
+        </p:txBody>
+      </p:sp>
+    </p:spTree>
+    <p:extLst>
+      <p:ext uri="{BB962C8B-B14F-4D97-AF65-F5344CB8AC3E}">
+        <p14:creationId xmlns:p14="http://schemas.microsoft.com/office/powerpoint/2010/main" val="3545133522"/>
+      </p:ext>
+    </p:extLst>
+  </p:cSld>
+  <p:clrMapOvr>
+    <a:masterClrMapping/>
+  </p:clrMapOvr>
+</p:sld>
+</file>
+
+<file path=ppt/slides/slide3.xml><?xml version="1.0" encoding="utf-8"?>
+<p:sld xmlns:a="http://schemas.openxmlformats.org/drawingml/2006/main" xmlns:r="http://schemas.openxmlformats.org/officeDocument/2006/relationships" xmlns:p="http://schemas.openxmlformats.org/presentationml/2006/main">
+  <p:cSld>
+    <p:bg>
+      <p:bgPr>
+        <a:solidFill>
+          <a:schemeClr val="bg1"/>
+        </a:solidFill>
+        <a:effectLst/>
+      </p:bgPr>
+    </p:bg>
+    <p:spTree>
+      <p:nvGrpSpPr>
+        <p:cNvPr id="1" name=""/>
+        <p:cNvGrpSpPr/>
+        <p:nvPr/>
+      </p:nvGrpSpPr>
+      <p:grpSpPr>
+        <a:xfrm>
+          <a:off x="0" y="0"/>
+          <a:ext cx="0" cy="0"/>
+          <a:chOff x="0" y="0"/>
+          <a:chExt cx="0" cy="0"/>
+        </a:xfrm>
+      </p:grpSpPr>
+      <p:sp useBgFill="1">
+        <p:nvSpPr>
+          <p:cNvPr id="14" name="Rectangle 7">
+            <a:extLst>
+              <a:ext uri="{FF2B5EF4-FFF2-40B4-BE49-F238E27FC236}">
+                <a16:creationId xmlns:a16="http://schemas.microsoft.com/office/drawing/2014/main" id="{1BB867FF-FC45-48F7-8104-F89BE54909F1}"/>
+              </a:ext>
+              <a:ext uri="{C183D7F6-B498-43B3-948B-1728B52AA6E4}">
+                <adec:decorative xmlns:adec="http://schemas.microsoft.com/office/drawing/2017/decorative" val="1"/>
+              </a:ext>
+            </a:extLst>
+          </p:cNvPr>
+          <p:cNvSpPr>
+            <a:spLocks noGrp="1" noRot="1" noChangeAspect="1" noMove="1" noResize="1" noEditPoints="1" noAdjustHandles="1" noChangeArrowheads="1" noChangeShapeType="1" noTextEdit="1"/>
+          </p:cNvSpPr>
+          <p:nvPr>
+            <p:extLst>
+              <p:ext uri="{386F3935-93C4-4BCD-93E2-E3B085C9AB24}">
+                <p16:designElem xmlns:p16="http://schemas.microsoft.com/office/powerpoint/2015/main" val="1"/>
+              </p:ext>
+            </p:extLst>
+          </p:nvPr>
+        </p:nvSpPr>
+        <p:spPr>
+          <a:xfrm>
+            <a:off x="3048" y="0"/>
+            <a:ext cx="12188952" cy="6858000"/>
+          </a:xfrm>
+          <a:prstGeom prst="rect">
+            <a:avLst/>
+          </a:prstGeom>
+          <a:ln>
+            <a:noFill/>
+          </a:ln>
+        </p:spPr>
+        <p:style>
+          <a:lnRef idx="2">
+            <a:schemeClr val="accent1">
+              <a:shade val="50000"/>
+            </a:schemeClr>
+          </a:lnRef>
+          <a:fillRef idx="1">
+            <a:schemeClr val="accent1"/>
+          </a:fillRef>
+          <a:effectRef idx="0">
+            <a:schemeClr val="accent1"/>
+          </a:effectRef>
+          <a:fontRef idx="minor">
+            <a:schemeClr val="lt1"/>
+          </a:fontRef>
+        </p:style>
+        <p:txBody>
+          <a:bodyPr rtlCol="0" anchor="ctr"/>
+          <a:lstStyle/>
+          <a:p>
+            <a:pPr algn="ctr"/>
+            <a:endParaRPr lang="en-US"/>
+          </a:p>
+        </p:txBody>
+      </p:sp>
+      <p:sp>
+        <p:nvSpPr>
+          <p:cNvPr id="15" name="Freeform: Shape 9">
+            <a:extLst>
+              <a:ext uri="{FF2B5EF4-FFF2-40B4-BE49-F238E27FC236}">
+                <a16:creationId xmlns:a16="http://schemas.microsoft.com/office/drawing/2014/main" id="{8BB56887-D0D5-4F0C-9E19-7247EB83C8B7}"/>
+              </a:ext>
+              <a:ext uri="{C183D7F6-B498-43B3-948B-1728B52AA6E4}">
+                <adec:decorative xmlns:adec="http://schemas.microsoft.com/office/drawing/2017/decorative" val="1"/>
+              </a:ext>
+            </a:extLst>
+          </p:cNvPr>
+          <p:cNvSpPr>
+            <a:spLocks noGrp="1" noRot="1" noChangeAspect="1" noMove="1" noResize="1" noEditPoints="1" noAdjustHandles="1" noChangeArrowheads="1" noChangeShapeType="1" noTextEdit="1"/>
+          </p:cNvSpPr>
+          <p:nvPr>
+            <p:extLst>
+              <p:ext uri="{386F3935-93C4-4BCD-93E2-E3B085C9AB24}">
+                <p16:designElem xmlns:p16="http://schemas.microsoft.com/office/powerpoint/2015/main" val="1"/>
+              </p:ext>
+            </p:extLst>
+          </p:nvPr>
+        </p:nvSpPr>
+        <p:spPr>
+          <a:xfrm>
+            <a:off x="10208695" y="1"/>
+            <a:ext cx="1135066" cy="477997"/>
+          </a:xfrm>
+          <a:custGeom>
+            <a:avLst/>
+            <a:gdLst>
+              <a:gd name="connsiteX0" fmla="*/ 0 w 1135066"/>
+              <a:gd name="connsiteY0" fmla="*/ 0 h 477997"/>
+              <a:gd name="connsiteX1" fmla="*/ 1135066 w 1135066"/>
+              <a:gd name="connsiteY1" fmla="*/ 0 h 477997"/>
+              <a:gd name="connsiteX2" fmla="*/ 1133370 w 1135066"/>
+              <a:gd name="connsiteY2" fmla="*/ 16827 h 477997"/>
+              <a:gd name="connsiteX3" fmla="*/ 567533 w 1135066"/>
+              <a:gd name="connsiteY3" fmla="*/ 477997 h 477997"/>
+              <a:gd name="connsiteX4" fmla="*/ 1696 w 1135066"/>
+              <a:gd name="connsiteY4" fmla="*/ 16827 h 477997"/>
+            </a:gdLst>
+            <a:ahLst/>
+            <a:cxnLst>
+              <a:cxn ang="0">
+                <a:pos x="connsiteX0" y="connsiteY0"/>
+              </a:cxn>
+              <a:cxn ang="0">
+                <a:pos x="connsiteX1" y="connsiteY1"/>
+              </a:cxn>
+              <a:cxn ang="0">
+                <a:pos x="connsiteX2" y="connsiteY2"/>
+              </a:cxn>
+              <a:cxn ang="0">
+                <a:pos x="connsiteX3" y="connsiteY3"/>
+              </a:cxn>
+              <a:cxn ang="0">
+                <a:pos x="connsiteX4" y="connsiteY4"/>
+              </a:cxn>
+            </a:cxnLst>
+            <a:rect l="l" t="t" r="r" b="b"/>
+            <a:pathLst>
+              <a:path w="1135066" h="477997">
+                <a:moveTo>
+                  <a:pt x="0" y="0"/>
+                </a:moveTo>
+                <a:lnTo>
+                  <a:pt x="1135066" y="0"/>
+                </a:lnTo>
+                <a:lnTo>
+                  <a:pt x="1133370" y="16827"/>
+                </a:lnTo>
+                <a:cubicBezTo>
+                  <a:pt x="1079514" y="280016"/>
+                  <a:pt x="846644" y="477997"/>
+                  <a:pt x="567533" y="477997"/>
+                </a:cubicBezTo>
+                <a:cubicBezTo>
+                  <a:pt x="288422" y="477997"/>
+                  <a:pt x="55552" y="280016"/>
+                  <a:pt x="1696" y="16827"/>
+                </a:cubicBezTo>
+                <a:close/>
+              </a:path>
+            </a:pathLst>
+          </a:custGeom>
+          <a:solidFill>
+            <a:schemeClr val="accent4"/>
+          </a:solidFill>
+          <a:ln>
+            <a:noFill/>
+          </a:ln>
+        </p:spPr>
+        <p:style>
+          <a:lnRef idx="2">
+            <a:schemeClr val="accent1">
+              <a:shade val="50000"/>
+            </a:schemeClr>
+          </a:lnRef>
+          <a:fillRef idx="1">
+            <a:schemeClr val="accent1"/>
+          </a:fillRef>
+          <a:effectRef idx="0">
+            <a:schemeClr val="accent1"/>
+          </a:effectRef>
+          <a:fontRef idx="minor">
+            <a:schemeClr val="lt1"/>
+          </a:fontRef>
+        </p:style>
+        <p:txBody>
+          <a:bodyPr wrap="square" rtlCol="0" anchor="ctr">
+            <a:noAutofit/>
+          </a:bodyPr>
+          <a:lstStyle/>
+          <a:p>
+            <a:pPr algn="ctr"/>
+            <a:endParaRPr lang="en-US"/>
+          </a:p>
+        </p:txBody>
+      </p:sp>
+      <p:sp>
+        <p:nvSpPr>
+          <p:cNvPr id="2" name="Title 1">
+            <a:extLst>
+              <a:ext uri="{FF2B5EF4-FFF2-40B4-BE49-F238E27FC236}">
+                <a16:creationId xmlns:a16="http://schemas.microsoft.com/office/drawing/2014/main" id="{D02BFC94-B166-4CBC-B36B-9A7A595EF1B1}"/>
+              </a:ext>
+            </a:extLst>
+          </p:cNvPr>
+          <p:cNvSpPr>
+            <a:spLocks noGrp="1"/>
+          </p:cNvSpPr>
+          <p:nvPr>
+            <p:ph type="title"/>
+          </p:nvPr>
+        </p:nvSpPr>
+        <p:spPr>
+          <a:xfrm>
+            <a:off x="838200" y="365125"/>
+            <a:ext cx="10515600" cy="1325563"/>
+          </a:xfrm>
+        </p:spPr>
+        <p:txBody>
+          <a:bodyPr>
+            <a:normAutofit/>
+          </a:bodyPr>
+          <a:lstStyle/>
+          <a:p>
+            <a:r>
+              <a:rPr lang="en-US" dirty="0"/>
+              <a:t>Results</a:t>
+            </a:r>
+          </a:p>
+        </p:txBody>
+      </p:sp>
+      <p:sp>
+        <p:nvSpPr>
+          <p:cNvPr id="16" name="Arc 11">
+            <a:extLst>
+              <a:ext uri="{FF2B5EF4-FFF2-40B4-BE49-F238E27FC236}">
+                <a16:creationId xmlns:a16="http://schemas.microsoft.com/office/drawing/2014/main" id="{081E4A58-353D-44AE-B2FC-2A74E2E400F7}"/>
+              </a:ext>
+              <a:ext uri="{C183D7F6-B498-43B3-948B-1728B52AA6E4}">
+                <adec:decorative xmlns:adec="http://schemas.microsoft.com/office/drawing/2017/decorative" val="1"/>
+              </a:ext>
+            </a:extLst>
+          </p:cNvPr>
+          <p:cNvSpPr>
+            <a:spLocks noGrp="1" noRot="1" noChangeAspect="1" noMove="1" noResize="1" noEditPoints="1" noAdjustHandles="1" noChangeArrowheads="1" noChangeShapeType="1" noTextEdit="1"/>
+          </p:cNvSpPr>
+          <p:nvPr>
+            <p:extLst>
+              <p:ext uri="{386F3935-93C4-4BCD-93E2-E3B085C9AB24}">
+                <p16:designElem xmlns:p16="http://schemas.microsoft.com/office/powerpoint/2015/main" val="1"/>
+              </p:ext>
+            </p:extLst>
+          </p:nvPr>
+        </p:nvSpPr>
+        <p:spPr>
+          <a:xfrm rot="5400000" flipV="1">
+            <a:off x="555710" y="2183223"/>
+            <a:ext cx="4083433" cy="4083433"/>
+          </a:xfrm>
+          <a:prstGeom prst="arc">
+            <a:avLst/>
+          </a:prstGeom>
+          <a:ln w="127000" cap="rnd">
+            <a:solidFill>
+              <a:schemeClr val="accent4"/>
+            </a:solidFill>
+            <a:prstDash val="dash"/>
+          </a:ln>
+        </p:spPr>
+        <p:style>
+          <a:lnRef idx="1">
+            <a:schemeClr val="accent1"/>
+          </a:lnRef>
+          <a:fillRef idx="0">
+            <a:schemeClr val="accent1"/>
+          </a:fillRef>
+          <a:effectRef idx="0">
+            <a:schemeClr val="accent1"/>
+          </a:effectRef>
+          <a:fontRef idx="minor">
+            <a:schemeClr val="tx1"/>
+          </a:fontRef>
+        </p:style>
+        <p:txBody>
+          <a:bodyPr rtlCol="0" anchor="ctr"/>
+          <a:lstStyle/>
+          <a:p>
+            <a:pPr algn="ctr"/>
+            <a:endParaRPr lang="en-US" dirty="0"/>
+          </a:p>
+        </p:txBody>
+      </p:sp>
+      <p:pic>
+        <p:nvPicPr>
+          <p:cNvPr id="4" name="Picture 3">
+            <a:extLst>
+              <a:ext uri="{FF2B5EF4-FFF2-40B4-BE49-F238E27FC236}">
+                <a16:creationId xmlns:a16="http://schemas.microsoft.com/office/drawing/2014/main" id="{5C4C9BF3-3F09-4CAB-815E-458B186DDEBF}"/>
+              </a:ext>
+            </a:extLst>
+          </p:cNvPr>
+          <p:cNvPicPr>
+            <a:picLocks noChangeAspect="1"/>
+          </p:cNvPicPr>
+          <p:nvPr/>
+        </p:nvPicPr>
+        <p:blipFill>
+          <a:blip r:embed="rId2"/>
+          <a:stretch>
+            <a:fillRect/>
+          </a:stretch>
+        </p:blipFill>
+        <p:spPr>
+          <a:xfrm>
+            <a:off x="2862262" y="2055812"/>
+            <a:ext cx="6467475" cy="3733800"/>
+          </a:xfrm>
+          <a:prstGeom prst="rect">
+            <a:avLst/>
+          </a:prstGeom>
+        </p:spPr>
+      </p:pic>
+    </p:spTree>
+    <p:extLst>
+      <p:ext uri="{BB962C8B-B14F-4D97-AF65-F5344CB8AC3E}">
+        <p14:creationId xmlns:p14="http://schemas.microsoft.com/office/powerpoint/2010/main" val="315916359"/>
+      </p:ext>
+    </p:extLst>
+  </p:cSld>
+  <p:clrMapOvr>
+    <a:masterClrMapping/>
+  </p:clrMapOvr>
+</p:sld>
+</file>
+
+<file path=ppt/slides/slide4.xml><?xml version="1.0" encoding="utf-8"?>
+<p:sld xmlns:a="http://schemas.openxmlformats.org/drawingml/2006/main" xmlns:r="http://schemas.openxmlformats.org/officeDocument/2006/relationships" xmlns:p="http://schemas.openxmlformats.org/presentationml/2006/main">
+  <p:cSld>
+    <p:bg>
+      <p:bgPr>
+        <a:solidFill>
+          <a:schemeClr val="bg1"/>
+        </a:solidFill>
+        <a:effectLst/>
+      </p:bgPr>
+    </p:bg>
+    <p:spTree>
+      <p:nvGrpSpPr>
+        <p:cNvPr id="1" name=""/>
+        <p:cNvGrpSpPr/>
+        <p:nvPr/>
+      </p:nvGrpSpPr>
+      <p:grpSpPr>
+        <a:xfrm>
+          <a:off x="0" y="0"/>
+          <a:ext cx="0" cy="0"/>
+          <a:chOff x="0" y="0"/>
+          <a:chExt cx="0" cy="0"/>
+        </a:xfrm>
+      </p:grpSpPr>
+      <p:sp useBgFill="1">
+        <p:nvSpPr>
           <p:cNvPr id="71" name="Rectangle 70">
             <a:extLst>
               <a:ext uri="{FF2B5EF4-FFF2-40B4-BE49-F238E27FC236}">
@@ -4733,7 +5706,7 @@
           <a:p>
             <a:pPr algn="ctr"/>
             <a:r>
-              <a:rPr lang="en-US" sz="5000"/>
+              <a:rPr lang="en-US" sz="5000" dirty="0"/>
               <a:t>Predictions</a:t>
             </a:r>
           </a:p>
@@ -4899,6 +5872,967 @@
     <p:extLst>
       <p:ext uri="{BB962C8B-B14F-4D97-AF65-F5344CB8AC3E}">
         <p14:creationId xmlns:p14="http://schemas.microsoft.com/office/powerpoint/2010/main" val="455750233"/>
+      </p:ext>
+    </p:extLst>
+  </p:cSld>
+  <p:clrMapOvr>
+    <a:masterClrMapping/>
+  </p:clrMapOvr>
+</p:sld>
+</file>
+
+<file path=ppt/slides/slide5.xml><?xml version="1.0" encoding="utf-8"?>
+<p:sld xmlns:a="http://schemas.openxmlformats.org/drawingml/2006/main" xmlns:r="http://schemas.openxmlformats.org/officeDocument/2006/relationships" xmlns:p="http://schemas.openxmlformats.org/presentationml/2006/main">
+  <p:cSld>
+    <p:bg>
+      <p:bgPr>
+        <a:solidFill>
+          <a:schemeClr val="bg1"/>
+        </a:solidFill>
+        <a:effectLst/>
+      </p:bgPr>
+    </p:bg>
+    <p:spTree>
+      <p:nvGrpSpPr>
+        <p:cNvPr id="1" name=""/>
+        <p:cNvGrpSpPr/>
+        <p:nvPr/>
+      </p:nvGrpSpPr>
+      <p:grpSpPr>
+        <a:xfrm>
+          <a:off x="0" y="0"/>
+          <a:ext cx="0" cy="0"/>
+          <a:chOff x="0" y="0"/>
+          <a:chExt cx="0" cy="0"/>
+        </a:xfrm>
+      </p:grpSpPr>
+      <p:sp useBgFill="1">
+        <p:nvSpPr>
+          <p:cNvPr id="71" name="Rectangle 70">
+            <a:extLst>
+              <a:ext uri="{FF2B5EF4-FFF2-40B4-BE49-F238E27FC236}">
+                <a16:creationId xmlns:a16="http://schemas.microsoft.com/office/drawing/2014/main" id="{5922BD39-6B5B-493A-BE62-58ECD0F7A75A}"/>
+              </a:ext>
+              <a:ext uri="{C183D7F6-B498-43B3-948B-1728B52AA6E4}">
+                <adec:decorative xmlns:adec="http://schemas.microsoft.com/office/drawing/2017/decorative" val="1"/>
+              </a:ext>
+            </a:extLst>
+          </p:cNvPr>
+          <p:cNvSpPr>
+            <a:spLocks noGrp="1" noRot="1" noChangeAspect="1" noMove="1" noResize="1" noEditPoints="1" noAdjustHandles="1" noChangeArrowheads="1" noChangeShapeType="1" noTextEdit="1"/>
+          </p:cNvSpPr>
+          <p:nvPr>
+            <p:extLst>
+              <p:ext uri="{386F3935-93C4-4BCD-93E2-E3B085C9AB24}">
+                <p16:designElem xmlns:p16="http://schemas.microsoft.com/office/powerpoint/2015/main" val="1"/>
+              </p:ext>
+            </p:extLst>
+          </p:nvPr>
+        </p:nvSpPr>
+        <p:spPr>
+          <a:xfrm>
+            <a:off x="-1" y="0"/>
+            <a:ext cx="12188952" cy="6858000"/>
+          </a:xfrm>
+          <a:prstGeom prst="rect">
+            <a:avLst/>
+          </a:prstGeom>
+          <a:ln>
+            <a:noFill/>
+          </a:ln>
+        </p:spPr>
+        <p:style>
+          <a:lnRef idx="2">
+            <a:schemeClr val="accent1">
+              <a:shade val="50000"/>
+            </a:schemeClr>
+          </a:lnRef>
+          <a:fillRef idx="1">
+            <a:schemeClr val="accent1"/>
+          </a:fillRef>
+          <a:effectRef idx="0">
+            <a:schemeClr val="accent1"/>
+          </a:effectRef>
+          <a:fontRef idx="minor">
+            <a:schemeClr val="lt1"/>
+          </a:fontRef>
+        </p:style>
+        <p:txBody>
+          <a:bodyPr rtlCol="0" anchor="ctr"/>
+          <a:lstStyle/>
+          <a:p>
+            <a:pPr algn="ctr"/>
+            <a:endParaRPr lang="en-US"/>
+          </a:p>
+        </p:txBody>
+      </p:sp>
+      <p:pic>
+        <p:nvPicPr>
+          <p:cNvPr id="73" name="Graphic 72">
+            <a:extLst>
+              <a:ext uri="{FF2B5EF4-FFF2-40B4-BE49-F238E27FC236}">
+                <a16:creationId xmlns:a16="http://schemas.microsoft.com/office/drawing/2014/main" id="{4741521E-DC76-41B9-8A47-448CD4F9FA46}"/>
+              </a:ext>
+              <a:ext uri="{C183D7F6-B498-43B3-948B-1728B52AA6E4}">
+                <adec:decorative xmlns:adec="http://schemas.microsoft.com/office/drawing/2017/decorative" val="1"/>
+              </a:ext>
+            </a:extLst>
+          </p:cNvPr>
+          <p:cNvPicPr>
+            <a:picLocks noGrp="1" noRot="1" noChangeAspect="1" noMove="1" noResize="1" noEditPoints="1" noAdjustHandles="1" noChangeArrowheads="1" noChangeShapeType="1" noCrop="1"/>
+          </p:cNvPicPr>
+          <p:nvPr>
+            <p:extLst>
+              <p:ext uri="{386F3935-93C4-4BCD-93E2-E3B085C9AB24}">
+                <p16:designElem xmlns:p16="http://schemas.microsoft.com/office/powerpoint/2015/main" val="1"/>
+              </p:ext>
+            </p:extLst>
+          </p:nvPr>
+        </p:nvPicPr>
+        <p:blipFill>
+          <a:blip r:embed="rId2">
+            <a:extLst>
+              <a:ext uri="{28A0092B-C50C-407E-A947-70E740481C1C}">
+                <a14:useLocalDpi xmlns:a14="http://schemas.microsoft.com/office/drawing/2010/main" val="0"/>
+              </a:ext>
+              <a:ext uri="{96DAC541-7B7A-43D3-8B79-37D633B846F1}">
+                <asvg:svgBlip xmlns:asvg="http://schemas.microsoft.com/office/drawing/2016/SVG/main" r:embed="rId3"/>
+              </a:ext>
+            </a:extLst>
+          </a:blip>
+          <a:stretch>
+            <a:fillRect/>
+          </a:stretch>
+        </p:blipFill>
+        <p:spPr>
+          <a:xfrm rot="5400000">
+            <a:off x="3372661" y="-3359290"/>
+            <a:ext cx="5470372" cy="12188952"/>
+          </a:xfrm>
+          <a:prstGeom prst="rect">
+            <a:avLst/>
+          </a:prstGeom>
+        </p:spPr>
+      </p:pic>
+      <p:sp>
+        <p:nvSpPr>
+          <p:cNvPr id="2" name="Title 1">
+            <a:extLst>
+              <a:ext uri="{FF2B5EF4-FFF2-40B4-BE49-F238E27FC236}">
+                <a16:creationId xmlns:a16="http://schemas.microsoft.com/office/drawing/2014/main" id="{6D325E5D-63CE-44EC-802E-BC8E4B82A03F}"/>
+              </a:ext>
+            </a:extLst>
+          </p:cNvPr>
+          <p:cNvSpPr>
+            <a:spLocks noGrp="1"/>
+          </p:cNvSpPr>
+          <p:nvPr>
+            <p:ph type="title"/>
+          </p:nvPr>
+        </p:nvSpPr>
+        <p:spPr>
+          <a:xfrm>
+            <a:off x="1403632" y="184336"/>
+            <a:ext cx="9283781" cy="1405965"/>
+          </a:xfrm>
+        </p:spPr>
+        <p:txBody>
+          <a:bodyPr vert="horz" lIns="91440" tIns="45720" rIns="91440" bIns="45720" rtlCol="0" anchor="b">
+            <a:normAutofit/>
+          </a:bodyPr>
+          <a:lstStyle/>
+          <a:p>
+            <a:pPr algn="ctr"/>
+            <a:r>
+              <a:rPr lang="en-US" sz="5000"/>
+              <a:t>Predictions</a:t>
+            </a:r>
+          </a:p>
+        </p:txBody>
+      </p:sp>
+      <p:sp>
+        <p:nvSpPr>
+          <p:cNvPr id="75" name="Rectangle 74">
+            <a:extLst>
+              <a:ext uri="{FF2B5EF4-FFF2-40B4-BE49-F238E27FC236}">
+                <a16:creationId xmlns:a16="http://schemas.microsoft.com/office/drawing/2014/main" id="{53FD85F6-ECDC-4124-9916-6444E142C663}"/>
+              </a:ext>
+              <a:ext uri="{C183D7F6-B498-43B3-948B-1728B52AA6E4}">
+                <adec:decorative xmlns:adec="http://schemas.microsoft.com/office/drawing/2017/decorative" val="1"/>
+              </a:ext>
+            </a:extLst>
+          </p:cNvPr>
+          <p:cNvSpPr>
+            <a:spLocks noGrp="1" noRot="1" noChangeAspect="1" noMove="1" noResize="1" noEditPoints="1" noAdjustHandles="1" noChangeArrowheads="1" noChangeShapeType="1" noTextEdit="1"/>
+          </p:cNvSpPr>
+          <p:nvPr>
+            <p:extLst>
+              <p:ext uri="{386F3935-93C4-4BCD-93E2-E3B085C9AB24}">
+                <p16:designElem xmlns:p16="http://schemas.microsoft.com/office/powerpoint/2015/main" val="1"/>
+              </p:ext>
+            </p:extLst>
+          </p:nvPr>
+        </p:nvSpPr>
+        <p:spPr>
+          <a:xfrm>
+            <a:off x="-1078" y="685797"/>
+            <a:ext cx="118872" cy="1550455"/>
+          </a:xfrm>
+          <a:prstGeom prst="rect">
+            <a:avLst/>
+          </a:prstGeom>
+          <a:solidFill>
+            <a:schemeClr val="accent2"/>
+          </a:solidFill>
+          <a:ln>
+            <a:noFill/>
+          </a:ln>
+        </p:spPr>
+        <p:style>
+          <a:lnRef idx="2">
+            <a:schemeClr val="accent1">
+              <a:shade val="50000"/>
+            </a:schemeClr>
+          </a:lnRef>
+          <a:fillRef idx="1">
+            <a:schemeClr val="accent1"/>
+          </a:fillRef>
+          <a:effectRef idx="0">
+            <a:schemeClr val="accent1"/>
+          </a:effectRef>
+          <a:fontRef idx="minor">
+            <a:schemeClr val="lt1"/>
+          </a:fontRef>
+        </p:style>
+        <p:txBody>
+          <a:bodyPr rtlCol="0" anchor="ctr"/>
+          <a:lstStyle/>
+          <a:p>
+            <a:pPr algn="ctr"/>
+            <a:endParaRPr lang="en-US"/>
+          </a:p>
+        </p:txBody>
+      </p:sp>
+      <p:sp>
+        <p:nvSpPr>
+          <p:cNvPr id="77" name="Rectangle 76">
+            <a:extLst>
+              <a:ext uri="{FF2B5EF4-FFF2-40B4-BE49-F238E27FC236}">
+                <a16:creationId xmlns:a16="http://schemas.microsoft.com/office/drawing/2014/main" id="{FB5D26B4-74AD-4118-8F13-7051DA3BFA87}"/>
+              </a:ext>
+              <a:ext uri="{C183D7F6-B498-43B3-948B-1728B52AA6E4}">
+                <adec:decorative xmlns:adec="http://schemas.microsoft.com/office/drawing/2017/decorative" val="1"/>
+              </a:ext>
+            </a:extLst>
+          </p:cNvPr>
+          <p:cNvSpPr>
+            <a:spLocks noGrp="1" noRot="1" noChangeAspect="1" noMove="1" noResize="1" noEditPoints="1" noAdjustHandles="1" noChangeArrowheads="1" noChangeShapeType="1" noTextEdit="1"/>
+          </p:cNvSpPr>
+          <p:nvPr>
+            <p:extLst>
+              <p:ext uri="{386F3935-93C4-4BCD-93E2-E3B085C9AB24}">
+                <p16:designElem xmlns:p16="http://schemas.microsoft.com/office/powerpoint/2015/main" val="1"/>
+              </p:ext>
+            </p:extLst>
+          </p:nvPr>
+        </p:nvSpPr>
+        <p:spPr>
+          <a:xfrm>
+            <a:off x="12073128" y="6172201"/>
+            <a:ext cx="118872" cy="685800"/>
+          </a:xfrm>
+          <a:prstGeom prst="rect">
+            <a:avLst/>
+          </a:prstGeom>
+          <a:solidFill>
+            <a:schemeClr val="accent2"/>
+          </a:solidFill>
+          <a:ln>
+            <a:noFill/>
+          </a:ln>
+        </p:spPr>
+        <p:style>
+          <a:lnRef idx="2">
+            <a:schemeClr val="accent1">
+              <a:shade val="50000"/>
+            </a:schemeClr>
+          </a:lnRef>
+          <a:fillRef idx="1">
+            <a:schemeClr val="accent1"/>
+          </a:fillRef>
+          <a:effectRef idx="0">
+            <a:schemeClr val="accent1"/>
+          </a:effectRef>
+          <a:fontRef idx="minor">
+            <a:schemeClr val="lt1"/>
+          </a:fontRef>
+        </p:style>
+        <p:txBody>
+          <a:bodyPr rtlCol="0" anchor="ctr"/>
+          <a:lstStyle/>
+          <a:p>
+            <a:pPr algn="ctr"/>
+            <a:endParaRPr lang="en-US"/>
+          </a:p>
+        </p:txBody>
+      </p:sp>
+      <p:pic>
+        <p:nvPicPr>
+          <p:cNvPr id="3" name="Picture 2">
+            <a:extLst>
+              <a:ext uri="{FF2B5EF4-FFF2-40B4-BE49-F238E27FC236}">
+                <a16:creationId xmlns:a16="http://schemas.microsoft.com/office/drawing/2014/main" id="{8D4E83DC-072F-44AD-B618-A3057558CBE4}"/>
+              </a:ext>
+            </a:extLst>
+          </p:cNvPr>
+          <p:cNvPicPr>
+            <a:picLocks noChangeAspect="1"/>
+          </p:cNvPicPr>
+          <p:nvPr/>
+        </p:nvPicPr>
+        <p:blipFill>
+          <a:blip r:embed="rId4"/>
+          <a:stretch>
+            <a:fillRect/>
+          </a:stretch>
+        </p:blipFill>
+        <p:spPr>
+          <a:xfrm>
+            <a:off x="0" y="3860170"/>
+            <a:ext cx="12192000" cy="3032749"/>
+          </a:xfrm>
+          <a:prstGeom prst="rect">
+            <a:avLst/>
+          </a:prstGeom>
+        </p:spPr>
+      </p:pic>
+    </p:spTree>
+    <p:extLst>
+      <p:ext uri="{BB962C8B-B14F-4D97-AF65-F5344CB8AC3E}">
+        <p14:creationId xmlns:p14="http://schemas.microsoft.com/office/powerpoint/2010/main" val="1738576860"/>
+      </p:ext>
+    </p:extLst>
+  </p:cSld>
+  <p:clrMapOvr>
+    <a:masterClrMapping/>
+  </p:clrMapOvr>
+</p:sld>
+</file>
+
+<file path=ppt/slides/slide6.xml><?xml version="1.0" encoding="utf-8"?>
+<p:sld xmlns:a="http://schemas.openxmlformats.org/drawingml/2006/main" xmlns:r="http://schemas.openxmlformats.org/officeDocument/2006/relationships" xmlns:p="http://schemas.openxmlformats.org/presentationml/2006/main">
+  <p:cSld>
+    <p:bg>
+      <p:bgPr>
+        <a:solidFill>
+          <a:schemeClr val="bg1"/>
+        </a:solidFill>
+        <a:effectLst/>
+      </p:bgPr>
+    </p:bg>
+    <p:spTree>
+      <p:nvGrpSpPr>
+        <p:cNvPr id="1" name=""/>
+        <p:cNvGrpSpPr/>
+        <p:nvPr/>
+      </p:nvGrpSpPr>
+      <p:grpSpPr>
+        <a:xfrm>
+          <a:off x="0" y="0"/>
+          <a:ext cx="0" cy="0"/>
+          <a:chOff x="0" y="0"/>
+          <a:chExt cx="0" cy="0"/>
+        </a:xfrm>
+      </p:grpSpPr>
+      <p:sp useBgFill="1">
+        <p:nvSpPr>
+          <p:cNvPr id="14" name="Rectangle 7">
+            <a:extLst>
+              <a:ext uri="{FF2B5EF4-FFF2-40B4-BE49-F238E27FC236}">
+                <a16:creationId xmlns:a16="http://schemas.microsoft.com/office/drawing/2014/main" id="{1BB867FF-FC45-48F7-8104-F89BE54909F1}"/>
+              </a:ext>
+              <a:ext uri="{C183D7F6-B498-43B3-948B-1728B52AA6E4}">
+                <adec:decorative xmlns:adec="http://schemas.microsoft.com/office/drawing/2017/decorative" val="1"/>
+              </a:ext>
+            </a:extLst>
+          </p:cNvPr>
+          <p:cNvSpPr>
+            <a:spLocks noGrp="1" noRot="1" noChangeAspect="1" noMove="1" noResize="1" noEditPoints="1" noAdjustHandles="1" noChangeArrowheads="1" noChangeShapeType="1" noTextEdit="1"/>
+          </p:cNvSpPr>
+          <p:nvPr>
+            <p:extLst>
+              <p:ext uri="{386F3935-93C4-4BCD-93E2-E3B085C9AB24}">
+                <p16:designElem xmlns:p16="http://schemas.microsoft.com/office/powerpoint/2015/main" val="1"/>
+              </p:ext>
+            </p:extLst>
+          </p:nvPr>
+        </p:nvSpPr>
+        <p:spPr>
+          <a:xfrm>
+            <a:off x="3048" y="0"/>
+            <a:ext cx="12188952" cy="6858000"/>
+          </a:xfrm>
+          <a:prstGeom prst="rect">
+            <a:avLst/>
+          </a:prstGeom>
+          <a:ln>
+            <a:noFill/>
+          </a:ln>
+        </p:spPr>
+        <p:style>
+          <a:lnRef idx="2">
+            <a:schemeClr val="accent1">
+              <a:shade val="50000"/>
+            </a:schemeClr>
+          </a:lnRef>
+          <a:fillRef idx="1">
+            <a:schemeClr val="accent1"/>
+          </a:fillRef>
+          <a:effectRef idx="0">
+            <a:schemeClr val="accent1"/>
+          </a:effectRef>
+          <a:fontRef idx="minor">
+            <a:schemeClr val="lt1"/>
+          </a:fontRef>
+        </p:style>
+        <p:txBody>
+          <a:bodyPr rtlCol="0" anchor="ctr"/>
+          <a:lstStyle/>
+          <a:p>
+            <a:pPr algn="ctr"/>
+            <a:endParaRPr lang="en-US"/>
+          </a:p>
+        </p:txBody>
+      </p:sp>
+      <p:sp>
+        <p:nvSpPr>
+          <p:cNvPr id="15" name="Freeform: Shape 9">
+            <a:extLst>
+              <a:ext uri="{FF2B5EF4-FFF2-40B4-BE49-F238E27FC236}">
+                <a16:creationId xmlns:a16="http://schemas.microsoft.com/office/drawing/2014/main" id="{8BB56887-D0D5-4F0C-9E19-7247EB83C8B7}"/>
+              </a:ext>
+              <a:ext uri="{C183D7F6-B498-43B3-948B-1728B52AA6E4}">
+                <adec:decorative xmlns:adec="http://schemas.microsoft.com/office/drawing/2017/decorative" val="1"/>
+              </a:ext>
+            </a:extLst>
+          </p:cNvPr>
+          <p:cNvSpPr>
+            <a:spLocks noGrp="1" noRot="1" noChangeAspect="1" noMove="1" noResize="1" noEditPoints="1" noAdjustHandles="1" noChangeArrowheads="1" noChangeShapeType="1" noTextEdit="1"/>
+          </p:cNvSpPr>
+          <p:nvPr>
+            <p:extLst>
+              <p:ext uri="{386F3935-93C4-4BCD-93E2-E3B085C9AB24}">
+                <p16:designElem xmlns:p16="http://schemas.microsoft.com/office/powerpoint/2015/main" val="1"/>
+              </p:ext>
+            </p:extLst>
+          </p:nvPr>
+        </p:nvSpPr>
+        <p:spPr>
+          <a:xfrm>
+            <a:off x="10208695" y="1"/>
+            <a:ext cx="1135066" cy="477997"/>
+          </a:xfrm>
+          <a:custGeom>
+            <a:avLst/>
+            <a:gdLst>
+              <a:gd name="connsiteX0" fmla="*/ 0 w 1135066"/>
+              <a:gd name="connsiteY0" fmla="*/ 0 h 477997"/>
+              <a:gd name="connsiteX1" fmla="*/ 1135066 w 1135066"/>
+              <a:gd name="connsiteY1" fmla="*/ 0 h 477997"/>
+              <a:gd name="connsiteX2" fmla="*/ 1133370 w 1135066"/>
+              <a:gd name="connsiteY2" fmla="*/ 16827 h 477997"/>
+              <a:gd name="connsiteX3" fmla="*/ 567533 w 1135066"/>
+              <a:gd name="connsiteY3" fmla="*/ 477997 h 477997"/>
+              <a:gd name="connsiteX4" fmla="*/ 1696 w 1135066"/>
+              <a:gd name="connsiteY4" fmla="*/ 16827 h 477997"/>
+            </a:gdLst>
+            <a:ahLst/>
+            <a:cxnLst>
+              <a:cxn ang="0">
+                <a:pos x="connsiteX0" y="connsiteY0"/>
+              </a:cxn>
+              <a:cxn ang="0">
+                <a:pos x="connsiteX1" y="connsiteY1"/>
+              </a:cxn>
+              <a:cxn ang="0">
+                <a:pos x="connsiteX2" y="connsiteY2"/>
+              </a:cxn>
+              <a:cxn ang="0">
+                <a:pos x="connsiteX3" y="connsiteY3"/>
+              </a:cxn>
+              <a:cxn ang="0">
+                <a:pos x="connsiteX4" y="connsiteY4"/>
+              </a:cxn>
+            </a:cxnLst>
+            <a:rect l="l" t="t" r="r" b="b"/>
+            <a:pathLst>
+              <a:path w="1135066" h="477997">
+                <a:moveTo>
+                  <a:pt x="0" y="0"/>
+                </a:moveTo>
+                <a:lnTo>
+                  <a:pt x="1135066" y="0"/>
+                </a:lnTo>
+                <a:lnTo>
+                  <a:pt x="1133370" y="16827"/>
+                </a:lnTo>
+                <a:cubicBezTo>
+                  <a:pt x="1079514" y="280016"/>
+                  <a:pt x="846644" y="477997"/>
+                  <a:pt x="567533" y="477997"/>
+                </a:cubicBezTo>
+                <a:cubicBezTo>
+                  <a:pt x="288422" y="477997"/>
+                  <a:pt x="55552" y="280016"/>
+                  <a:pt x="1696" y="16827"/>
+                </a:cubicBezTo>
+                <a:close/>
+              </a:path>
+            </a:pathLst>
+          </a:custGeom>
+          <a:solidFill>
+            <a:schemeClr val="accent4"/>
+          </a:solidFill>
+          <a:ln>
+            <a:noFill/>
+          </a:ln>
+        </p:spPr>
+        <p:style>
+          <a:lnRef idx="2">
+            <a:schemeClr val="accent1">
+              <a:shade val="50000"/>
+            </a:schemeClr>
+          </a:lnRef>
+          <a:fillRef idx="1">
+            <a:schemeClr val="accent1"/>
+          </a:fillRef>
+          <a:effectRef idx="0">
+            <a:schemeClr val="accent1"/>
+          </a:effectRef>
+          <a:fontRef idx="minor">
+            <a:schemeClr val="lt1"/>
+          </a:fontRef>
+        </p:style>
+        <p:txBody>
+          <a:bodyPr wrap="square" rtlCol="0" anchor="ctr">
+            <a:noAutofit/>
+          </a:bodyPr>
+          <a:lstStyle/>
+          <a:p>
+            <a:pPr algn="ctr"/>
+            <a:endParaRPr lang="en-US"/>
+          </a:p>
+        </p:txBody>
+      </p:sp>
+      <p:sp>
+        <p:nvSpPr>
+          <p:cNvPr id="2" name="Title 1">
+            <a:extLst>
+              <a:ext uri="{FF2B5EF4-FFF2-40B4-BE49-F238E27FC236}">
+                <a16:creationId xmlns:a16="http://schemas.microsoft.com/office/drawing/2014/main" id="{D02BFC94-B166-4CBC-B36B-9A7A595EF1B1}"/>
+              </a:ext>
+            </a:extLst>
+          </p:cNvPr>
+          <p:cNvSpPr>
+            <a:spLocks noGrp="1"/>
+          </p:cNvSpPr>
+          <p:nvPr>
+            <p:ph type="title"/>
+          </p:nvPr>
+        </p:nvSpPr>
+        <p:spPr>
+          <a:xfrm>
+            <a:off x="838200" y="365125"/>
+            <a:ext cx="10515600" cy="1325563"/>
+          </a:xfrm>
+        </p:spPr>
+        <p:txBody>
+          <a:bodyPr>
+            <a:normAutofit/>
+          </a:bodyPr>
+          <a:lstStyle/>
+          <a:p>
+            <a:r>
+              <a:rPr lang="en-US" dirty="0"/>
+              <a:t>Uses</a:t>
+            </a:r>
+          </a:p>
+        </p:txBody>
+      </p:sp>
+      <p:sp>
+        <p:nvSpPr>
+          <p:cNvPr id="16" name="Arc 11">
+            <a:extLst>
+              <a:ext uri="{FF2B5EF4-FFF2-40B4-BE49-F238E27FC236}">
+                <a16:creationId xmlns:a16="http://schemas.microsoft.com/office/drawing/2014/main" id="{081E4A58-353D-44AE-B2FC-2A74E2E400F7}"/>
+              </a:ext>
+              <a:ext uri="{C183D7F6-B498-43B3-948B-1728B52AA6E4}">
+                <adec:decorative xmlns:adec="http://schemas.microsoft.com/office/drawing/2017/decorative" val="1"/>
+              </a:ext>
+            </a:extLst>
+          </p:cNvPr>
+          <p:cNvSpPr>
+            <a:spLocks noGrp="1" noRot="1" noChangeAspect="1" noMove="1" noResize="1" noEditPoints="1" noAdjustHandles="1" noChangeArrowheads="1" noChangeShapeType="1" noTextEdit="1"/>
+          </p:cNvSpPr>
+          <p:nvPr>
+            <p:extLst>
+              <p:ext uri="{386F3935-93C4-4BCD-93E2-E3B085C9AB24}">
+                <p16:designElem xmlns:p16="http://schemas.microsoft.com/office/powerpoint/2015/main" val="1"/>
+              </p:ext>
+            </p:extLst>
+          </p:nvPr>
+        </p:nvSpPr>
+        <p:spPr>
+          <a:xfrm rot="5400000" flipV="1">
+            <a:off x="555710" y="2183223"/>
+            <a:ext cx="4083433" cy="4083433"/>
+          </a:xfrm>
+          <a:prstGeom prst="arc">
+            <a:avLst/>
+          </a:prstGeom>
+          <a:ln w="127000" cap="rnd">
+            <a:solidFill>
+              <a:schemeClr val="accent4"/>
+            </a:solidFill>
+            <a:prstDash val="dash"/>
+          </a:ln>
+        </p:spPr>
+        <p:style>
+          <a:lnRef idx="1">
+            <a:schemeClr val="accent1"/>
+          </a:lnRef>
+          <a:fillRef idx="0">
+            <a:schemeClr val="accent1"/>
+          </a:fillRef>
+          <a:effectRef idx="0">
+            <a:schemeClr val="accent1"/>
+          </a:effectRef>
+          <a:fontRef idx="minor">
+            <a:schemeClr val="tx1"/>
+          </a:fontRef>
+        </p:style>
+        <p:txBody>
+          <a:bodyPr rtlCol="0" anchor="ctr"/>
+          <a:lstStyle/>
+          <a:p>
+            <a:pPr algn="ctr"/>
+            <a:endParaRPr lang="en-US" dirty="0"/>
+          </a:p>
+        </p:txBody>
+      </p:sp>
+      <p:sp>
+        <p:nvSpPr>
+          <p:cNvPr id="3" name="Content Placeholder 2">
+            <a:extLst>
+              <a:ext uri="{FF2B5EF4-FFF2-40B4-BE49-F238E27FC236}">
+                <a16:creationId xmlns:a16="http://schemas.microsoft.com/office/drawing/2014/main" id="{25591DC1-7A78-4F54-A0F7-EFD7F48336E3}"/>
+              </a:ext>
+            </a:extLst>
+          </p:cNvPr>
+          <p:cNvSpPr>
+            <a:spLocks noGrp="1"/>
+          </p:cNvSpPr>
+          <p:nvPr>
+            <p:ph idx="1"/>
+          </p:nvPr>
+        </p:nvSpPr>
+        <p:spPr>
+          <a:xfrm>
+            <a:off x="838200" y="1825625"/>
+            <a:ext cx="10515600" cy="1517650"/>
+          </a:xfrm>
+        </p:spPr>
+        <p:txBody>
+          <a:bodyPr>
+            <a:normAutofit/>
+          </a:bodyPr>
+          <a:lstStyle/>
+          <a:p>
+            <a:r>
+              <a:rPr lang="en-US" dirty="0"/>
+              <a:t>Budget planning</a:t>
+            </a:r>
+          </a:p>
+          <a:p>
+            <a:r>
+              <a:rPr lang="en-US" dirty="0"/>
+              <a:t>Inspectors</a:t>
+            </a:r>
+          </a:p>
+          <a:p>
+            <a:r>
+              <a:rPr lang="en-US" dirty="0"/>
+              <a:t>Inspections</a:t>
+            </a:r>
+          </a:p>
+        </p:txBody>
+      </p:sp>
+      <p:sp>
+        <p:nvSpPr>
+          <p:cNvPr id="7" name="Title 1">
+            <a:extLst>
+              <a:ext uri="{FF2B5EF4-FFF2-40B4-BE49-F238E27FC236}">
+                <a16:creationId xmlns:a16="http://schemas.microsoft.com/office/drawing/2014/main" id="{D7501BAE-19C5-43B1-84FD-7C12609DD232}"/>
+              </a:ext>
+            </a:extLst>
+          </p:cNvPr>
+          <p:cNvSpPr txBox="1">
+            <a:spLocks/>
+          </p:cNvSpPr>
+          <p:nvPr/>
+        </p:nvSpPr>
+        <p:spPr>
+          <a:xfrm>
+            <a:off x="1120690" y="3460750"/>
+            <a:ext cx="10515600" cy="1325563"/>
+          </a:xfrm>
+          <a:prstGeom prst="rect">
+            <a:avLst/>
+          </a:prstGeom>
+        </p:spPr>
+        <p:txBody>
+          <a:bodyPr vert="horz" lIns="91440" tIns="45720" rIns="91440" bIns="45720" rtlCol="0" anchor="ctr">
+            <a:normAutofit/>
+          </a:bodyPr>
+          <a:lstStyle>
+            <a:lvl1pPr algn="l" defTabSz="914400" rtl="0" eaLnBrk="1" latinLnBrk="0" hangingPunct="1">
+              <a:lnSpc>
+                <a:spcPct val="90000"/>
+              </a:lnSpc>
+              <a:spcBef>
+                <a:spcPct val="0"/>
+              </a:spcBef>
+              <a:buNone/>
+              <a:defRPr sz="4400" kern="1200">
+                <a:solidFill>
+                  <a:schemeClr val="tx1"/>
+                </a:solidFill>
+                <a:latin typeface="+mj-lt"/>
+                <a:ea typeface="+mj-ea"/>
+                <a:cs typeface="+mj-cs"/>
+              </a:defRPr>
+            </a:lvl1pPr>
+          </a:lstStyle>
+          <a:p>
+            <a:pPr algn="r"/>
+            <a:r>
+              <a:rPr lang="en-US" dirty="0"/>
+              <a:t>Future</a:t>
+            </a:r>
+          </a:p>
+        </p:txBody>
+      </p:sp>
+      <p:sp>
+        <p:nvSpPr>
+          <p:cNvPr id="8" name="Content Placeholder 2">
+            <a:extLst>
+              <a:ext uri="{FF2B5EF4-FFF2-40B4-BE49-F238E27FC236}">
+                <a16:creationId xmlns:a16="http://schemas.microsoft.com/office/drawing/2014/main" id="{2B76088D-A5D6-4F8E-B834-ACA944B8F3B9}"/>
+              </a:ext>
+            </a:extLst>
+          </p:cNvPr>
+          <p:cNvSpPr txBox="1">
+            <a:spLocks/>
+          </p:cNvSpPr>
+          <p:nvPr/>
+        </p:nvSpPr>
+        <p:spPr>
+          <a:xfrm>
+            <a:off x="1120690" y="4581526"/>
+            <a:ext cx="10515600" cy="2276474"/>
+          </a:xfrm>
+          <a:prstGeom prst="rect">
+            <a:avLst/>
+          </a:prstGeom>
+        </p:spPr>
+        <p:txBody>
+          <a:bodyPr vert="horz" lIns="91440" tIns="45720" rIns="91440" bIns="45720" rtlCol="0">
+            <a:normAutofit/>
+          </a:bodyPr>
+          <a:lstStyle>
+            <a:lvl1pPr marL="228600" indent="-228600" algn="l" defTabSz="914400" rtl="0" eaLnBrk="1" latinLnBrk="0" hangingPunct="1">
+              <a:lnSpc>
+                <a:spcPct val="90000"/>
+              </a:lnSpc>
+              <a:spcBef>
+                <a:spcPts val="1000"/>
+              </a:spcBef>
+              <a:buFont typeface="Arial" panose="020B0604020202020204" pitchFamily="34" charset="0"/>
+              <a:buChar char="•"/>
+              <a:defRPr sz="2800" kern="1200">
+                <a:solidFill>
+                  <a:schemeClr val="tx1"/>
+                </a:solidFill>
+                <a:latin typeface="+mn-lt"/>
+                <a:ea typeface="+mn-ea"/>
+                <a:cs typeface="+mn-cs"/>
+              </a:defRPr>
+            </a:lvl1pPr>
+            <a:lvl2pPr marL="685800" indent="-228600" algn="l" defTabSz="914400" rtl="0" eaLnBrk="1" latinLnBrk="0" hangingPunct="1">
+              <a:lnSpc>
+                <a:spcPct val="90000"/>
+              </a:lnSpc>
+              <a:spcBef>
+                <a:spcPts val="500"/>
+              </a:spcBef>
+              <a:buFont typeface="Arial" panose="020B0604020202020204" pitchFamily="34" charset="0"/>
+              <a:buChar char="•"/>
+              <a:defRPr sz="2400" kern="1200">
+                <a:solidFill>
+                  <a:schemeClr val="tx1"/>
+                </a:solidFill>
+                <a:latin typeface="+mn-lt"/>
+                <a:ea typeface="+mn-ea"/>
+                <a:cs typeface="+mn-cs"/>
+              </a:defRPr>
+            </a:lvl2pPr>
+            <a:lvl3pPr marL="1143000" indent="-228600" algn="l" defTabSz="914400" rtl="0" eaLnBrk="1" latinLnBrk="0" hangingPunct="1">
+              <a:lnSpc>
+                <a:spcPct val="90000"/>
+              </a:lnSpc>
+              <a:spcBef>
+                <a:spcPts val="500"/>
+              </a:spcBef>
+              <a:buFont typeface="Arial" panose="020B0604020202020204" pitchFamily="34" charset="0"/>
+              <a:buChar char="•"/>
+              <a:defRPr sz="2000" kern="1200">
+                <a:solidFill>
+                  <a:schemeClr val="tx1"/>
+                </a:solidFill>
+                <a:latin typeface="+mn-lt"/>
+                <a:ea typeface="+mn-ea"/>
+                <a:cs typeface="+mn-cs"/>
+              </a:defRPr>
+            </a:lvl3pPr>
+            <a:lvl4pPr marL="1600200" indent="-228600" algn="l" defTabSz="914400" rtl="0" eaLnBrk="1" latinLnBrk="0" hangingPunct="1">
+              <a:lnSpc>
+                <a:spcPct val="90000"/>
+              </a:lnSpc>
+              <a:spcBef>
+                <a:spcPts val="500"/>
+              </a:spcBef>
+              <a:buFont typeface="Arial" panose="020B0604020202020204" pitchFamily="34" charset="0"/>
+              <a:buChar char="•"/>
+              <a:defRPr sz="1800" kern="1200">
+                <a:solidFill>
+                  <a:schemeClr val="tx1"/>
+                </a:solidFill>
+                <a:latin typeface="+mn-lt"/>
+                <a:ea typeface="+mn-ea"/>
+                <a:cs typeface="+mn-cs"/>
+              </a:defRPr>
+            </a:lvl4pPr>
+            <a:lvl5pPr marL="2057400" indent="-228600" algn="l" defTabSz="914400" rtl="0" eaLnBrk="1" latinLnBrk="0" hangingPunct="1">
+              <a:lnSpc>
+                <a:spcPct val="90000"/>
+              </a:lnSpc>
+              <a:spcBef>
+                <a:spcPts val="500"/>
+              </a:spcBef>
+              <a:buFont typeface="Arial" panose="020B0604020202020204" pitchFamily="34" charset="0"/>
+              <a:buChar char="•"/>
+              <a:defRPr sz="1800" kern="1200">
+                <a:solidFill>
+                  <a:schemeClr val="tx1"/>
+                </a:solidFill>
+                <a:latin typeface="+mn-lt"/>
+                <a:ea typeface="+mn-ea"/>
+                <a:cs typeface="+mn-cs"/>
+              </a:defRPr>
+            </a:lvl5pPr>
+            <a:lvl6pPr marL="2514600" indent="-228600" algn="l" defTabSz="914400" rtl="0" eaLnBrk="1" latinLnBrk="0" hangingPunct="1">
+              <a:lnSpc>
+                <a:spcPct val="90000"/>
+              </a:lnSpc>
+              <a:spcBef>
+                <a:spcPts val="500"/>
+              </a:spcBef>
+              <a:buFont typeface="Arial" panose="020B0604020202020204" pitchFamily="34" charset="0"/>
+              <a:buChar char="•"/>
+              <a:defRPr sz="1800" kern="1200">
+                <a:solidFill>
+                  <a:schemeClr val="tx1"/>
+                </a:solidFill>
+                <a:latin typeface="+mn-lt"/>
+                <a:ea typeface="+mn-ea"/>
+                <a:cs typeface="+mn-cs"/>
+              </a:defRPr>
+            </a:lvl6pPr>
+            <a:lvl7pPr marL="2971800" indent="-228600" algn="l" defTabSz="914400" rtl="0" eaLnBrk="1" latinLnBrk="0" hangingPunct="1">
+              <a:lnSpc>
+                <a:spcPct val="90000"/>
+              </a:lnSpc>
+              <a:spcBef>
+                <a:spcPts val="500"/>
+              </a:spcBef>
+              <a:buFont typeface="Arial" panose="020B0604020202020204" pitchFamily="34" charset="0"/>
+              <a:buChar char="•"/>
+              <a:defRPr sz="1800" kern="1200">
+                <a:solidFill>
+                  <a:schemeClr val="tx1"/>
+                </a:solidFill>
+                <a:latin typeface="+mn-lt"/>
+                <a:ea typeface="+mn-ea"/>
+                <a:cs typeface="+mn-cs"/>
+              </a:defRPr>
+            </a:lvl7pPr>
+            <a:lvl8pPr marL="3429000" indent="-228600" algn="l" defTabSz="914400" rtl="0" eaLnBrk="1" latinLnBrk="0" hangingPunct="1">
+              <a:lnSpc>
+                <a:spcPct val="90000"/>
+              </a:lnSpc>
+              <a:spcBef>
+                <a:spcPts val="500"/>
+              </a:spcBef>
+              <a:buFont typeface="Arial" panose="020B0604020202020204" pitchFamily="34" charset="0"/>
+              <a:buChar char="•"/>
+              <a:defRPr sz="1800" kern="1200">
+                <a:solidFill>
+                  <a:schemeClr val="tx1"/>
+                </a:solidFill>
+                <a:latin typeface="+mn-lt"/>
+                <a:ea typeface="+mn-ea"/>
+                <a:cs typeface="+mn-cs"/>
+              </a:defRPr>
+            </a:lvl8pPr>
+            <a:lvl9pPr marL="3886200" indent="-228600" algn="l" defTabSz="914400" rtl="0" eaLnBrk="1" latinLnBrk="0" hangingPunct="1">
+              <a:lnSpc>
+                <a:spcPct val="90000"/>
+              </a:lnSpc>
+              <a:spcBef>
+                <a:spcPts val="500"/>
+              </a:spcBef>
+              <a:buFont typeface="Arial" panose="020B0604020202020204" pitchFamily="34" charset="0"/>
+              <a:buChar char="•"/>
+              <a:defRPr sz="1800" kern="1200">
+                <a:solidFill>
+                  <a:schemeClr val="tx1"/>
+                </a:solidFill>
+                <a:latin typeface="+mn-lt"/>
+                <a:ea typeface="+mn-ea"/>
+                <a:cs typeface="+mn-cs"/>
+              </a:defRPr>
+            </a:lvl9pPr>
+          </a:lstStyle>
+          <a:p>
+            <a:pPr algn="r"/>
+            <a:r>
+              <a:rPr lang="en-US" dirty="0"/>
+              <a:t>Additional features</a:t>
+            </a:r>
+          </a:p>
+          <a:p>
+            <a:pPr algn="r"/>
+            <a:r>
+              <a:rPr lang="en-US" dirty="0"/>
+              <a:t>More methods </a:t>
+            </a:r>
+          </a:p>
+        </p:txBody>
+      </p:sp>
+    </p:spTree>
+    <p:extLst>
+      <p:ext uri="{BB962C8B-B14F-4D97-AF65-F5344CB8AC3E}">
+        <p14:creationId xmlns:p14="http://schemas.microsoft.com/office/powerpoint/2010/main" val="1468892180"/>
       </p:ext>
     </p:extLst>
   </p:cSld>
@@ -5478,17 +7412,17 @@
 <file path=customXml/itemProps3.xml><?xml version="1.0" encoding="utf-8"?>
 <ds:datastoreItem xmlns:ds="http://schemas.openxmlformats.org/officeDocument/2006/customXml" ds:itemID="{9FED5883-496B-42C1-9B5B-34270D41E611}">
   <ds:schemaRefs>
+    <ds:schemaRef ds:uri="http://purl.org/dc/terms/"/>
+    <ds:schemaRef ds:uri="http://purl.org/dc/dcmitype/"/>
+    <ds:schemaRef ds:uri="http://schemas.microsoft.com/sharepoint/v3"/>
+    <ds:schemaRef ds:uri="http://purl.org/dc/elements/1.1/"/>
+    <ds:schemaRef ds:uri="http://schemas.microsoft.com/office/2006/metadata/properties"/>
+    <ds:schemaRef ds:uri="http://schemas.microsoft.com/office/2006/documentManagement/types"/>
     <ds:schemaRef ds:uri="http://schemas.microsoft.com/office/infopath/2007/PartnerControls"/>
     <ds:schemaRef ds:uri="087ed9da-973a-458e-ba2b-639733953c26"/>
-    <ds:schemaRef ds:uri="http://purl.org/dc/elements/1.1/"/>
-    <ds:schemaRef ds:uri="http://schemas.microsoft.com/office/2006/metadata/properties"/>
-    <ds:schemaRef ds:uri="http://schemas.microsoft.com/sharepoint/v3"/>
-    <ds:schemaRef ds:uri="http://purl.org/dc/terms/"/>
+    <ds:schemaRef ds:uri="http://schemas.openxmlformats.org/package/2006/metadata/core-properties"/>
     <ds:schemaRef ds:uri="0cecad8f-305c-4ab2-8046-db3b11566c17"/>
-    <ds:schemaRef ds:uri="http://schemas.microsoft.com/office/2006/documentManagement/types"/>
-    <ds:schemaRef ds:uri="http://schemas.openxmlformats.org/package/2006/metadata/core-properties"/>
     <ds:schemaRef ds:uri="http://www.w3.org/XML/1998/namespace"/>
-    <ds:schemaRef ds:uri="http://purl.org/dc/dcmitype/"/>
   </ds:schemaRefs>
 </ds:datastoreItem>
 </file>